--- a/docs/Manual/Figure/ManualPlot.pptx
+++ b/docs/Manual/Figure/ManualPlot.pptx
@@ -9,6 +9,8 @@
     <p:sldId id="257" r:id="rId3"/>
     <p:sldId id="258" r:id="rId4"/>
     <p:sldId id="259" r:id="rId5"/>
+    <p:sldId id="260" r:id="rId6"/>
+    <p:sldId id="261" r:id="rId7"/>
   </p:sldIdLst>
   <p:sldSz cx="9144000" cy="6858000" type="screen4x3"/>
   <p:notesSz cx="6858000" cy="9144000"/>
@@ -291,7 +293,7 @@
           <a:p>
             <a:fld id="{95118352-742C-7B43-8F22-628C53C0DDC2}" type="datetimeFigureOut">
               <a:rPr lang="en-US" smtClean="0"/>
-              <a:t>10/6/15</a:t>
+              <a:t>10/12/15</a:t>
             </a:fld>
             <a:endParaRPr lang="en-US"/>
           </a:p>
@@ -461,7 +463,7 @@
           <a:p>
             <a:fld id="{95118352-742C-7B43-8F22-628C53C0DDC2}" type="datetimeFigureOut">
               <a:rPr lang="en-US" smtClean="0"/>
-              <a:t>10/6/15</a:t>
+              <a:t>10/12/15</a:t>
             </a:fld>
             <a:endParaRPr lang="en-US"/>
           </a:p>
@@ -641,7 +643,7 @@
           <a:p>
             <a:fld id="{95118352-742C-7B43-8F22-628C53C0DDC2}" type="datetimeFigureOut">
               <a:rPr lang="en-US" smtClean="0"/>
-              <a:t>10/6/15</a:t>
+              <a:t>10/12/15</a:t>
             </a:fld>
             <a:endParaRPr lang="en-US"/>
           </a:p>
@@ -811,7 +813,7 @@
           <a:p>
             <a:fld id="{95118352-742C-7B43-8F22-628C53C0DDC2}" type="datetimeFigureOut">
               <a:rPr lang="en-US" smtClean="0"/>
-              <a:t>10/6/15</a:t>
+              <a:t>10/12/15</a:t>
             </a:fld>
             <a:endParaRPr lang="en-US"/>
           </a:p>
@@ -1057,7 +1059,7 @@
           <a:p>
             <a:fld id="{95118352-742C-7B43-8F22-628C53C0DDC2}" type="datetimeFigureOut">
               <a:rPr lang="en-US" smtClean="0"/>
-              <a:t>10/6/15</a:t>
+              <a:t>10/12/15</a:t>
             </a:fld>
             <a:endParaRPr lang="en-US"/>
           </a:p>
@@ -1345,7 +1347,7 @@
           <a:p>
             <a:fld id="{95118352-742C-7B43-8F22-628C53C0DDC2}" type="datetimeFigureOut">
               <a:rPr lang="en-US" smtClean="0"/>
-              <a:t>10/6/15</a:t>
+              <a:t>10/12/15</a:t>
             </a:fld>
             <a:endParaRPr lang="en-US"/>
           </a:p>
@@ -1767,7 +1769,7 @@
           <a:p>
             <a:fld id="{95118352-742C-7B43-8F22-628C53C0DDC2}" type="datetimeFigureOut">
               <a:rPr lang="en-US" smtClean="0"/>
-              <a:t>10/6/15</a:t>
+              <a:t>10/12/15</a:t>
             </a:fld>
             <a:endParaRPr lang="en-US"/>
           </a:p>
@@ -1885,7 +1887,7 @@
           <a:p>
             <a:fld id="{95118352-742C-7B43-8F22-628C53C0DDC2}" type="datetimeFigureOut">
               <a:rPr lang="en-US" smtClean="0"/>
-              <a:t>10/6/15</a:t>
+              <a:t>10/12/15</a:t>
             </a:fld>
             <a:endParaRPr lang="en-US"/>
           </a:p>
@@ -1980,7 +1982,7 @@
           <a:p>
             <a:fld id="{95118352-742C-7B43-8F22-628C53C0DDC2}" type="datetimeFigureOut">
               <a:rPr lang="en-US" smtClean="0"/>
-              <a:t>10/6/15</a:t>
+              <a:t>10/12/15</a:t>
             </a:fld>
             <a:endParaRPr lang="en-US"/>
           </a:p>
@@ -2257,7 +2259,7 @@
           <a:p>
             <a:fld id="{95118352-742C-7B43-8F22-628C53C0DDC2}" type="datetimeFigureOut">
               <a:rPr lang="en-US" smtClean="0"/>
-              <a:t>10/6/15</a:t>
+              <a:t>10/12/15</a:t>
             </a:fld>
             <a:endParaRPr lang="en-US"/>
           </a:p>
@@ -2510,7 +2512,7 @@
           <a:p>
             <a:fld id="{95118352-742C-7B43-8F22-628C53C0DDC2}" type="datetimeFigureOut">
               <a:rPr lang="en-US" smtClean="0"/>
-              <a:t>10/6/15</a:t>
+              <a:t>10/12/15</a:t>
             </a:fld>
             <a:endParaRPr lang="en-US"/>
           </a:p>
@@ -2723,7 +2725,7 @@
           <a:p>
             <a:fld id="{95118352-742C-7B43-8F22-628C53C0DDC2}" type="datetimeFigureOut">
               <a:rPr lang="en-US" smtClean="0"/>
-              <a:t>10/6/15</a:t>
+              <a:t>10/12/15</a:t>
             </a:fld>
             <a:endParaRPr lang="en-US"/>
           </a:p>
@@ -6258,6 +6260,1041 @@
 </p:sld>
 </file>
 
+<file path=ppt/slides/slide5.xml><?xml version="1.0" encoding="utf-8"?>
+<p:sld xmlns:a="http://schemas.openxmlformats.org/drawingml/2006/main" xmlns:r="http://schemas.openxmlformats.org/officeDocument/2006/relationships" xmlns:p="http://schemas.openxmlformats.org/presentationml/2006/main">
+  <p:cSld>
+    <p:spTree>
+      <p:nvGrpSpPr>
+        <p:cNvPr id="1" name=""/>
+        <p:cNvGrpSpPr/>
+        <p:nvPr/>
+      </p:nvGrpSpPr>
+      <p:grpSpPr>
+        <a:xfrm>
+          <a:off x="0" y="0"/>
+          <a:ext cx="0" cy="0"/>
+          <a:chOff x="0" y="0"/>
+          <a:chExt cx="0" cy="0"/>
+        </a:xfrm>
+      </p:grpSpPr>
+      <p:pic>
+        <p:nvPicPr>
+          <p:cNvPr id="4" name="Picture 3" descr="1.5_Wind Turbine.png"/>
+          <p:cNvPicPr>
+            <a:picLocks noChangeAspect="1"/>
+          </p:cNvPicPr>
+          <p:nvPr/>
+        </p:nvPicPr>
+        <p:blipFill>
+          <a:blip r:embed="rId2">
+            <a:extLst>
+              <a:ext uri="{28A0092B-C50C-407E-A947-70E740481C1C}">
+                <a14:useLocalDpi xmlns:a14="http://schemas.microsoft.com/office/drawing/2010/main" val="0"/>
+              </a:ext>
+            </a:extLst>
+          </a:blip>
+          <a:stretch>
+            <a:fillRect/>
+          </a:stretch>
+        </p:blipFill>
+        <p:spPr>
+          <a:xfrm>
+            <a:off x="2857500" y="0"/>
+            <a:ext cx="3429000" cy="6858000"/>
+          </a:xfrm>
+          <a:prstGeom prst="rect">
+            <a:avLst/>
+          </a:prstGeom>
+        </p:spPr>
+      </p:pic>
+      <p:cxnSp>
+        <p:nvCxnSpPr>
+          <p:cNvPr id="6" name="Straight Arrow Connector 5"/>
+          <p:cNvCxnSpPr/>
+          <p:nvPr/>
+        </p:nvCxnSpPr>
+        <p:spPr>
+          <a:xfrm flipH="1" flipV="1">
+            <a:off x="4313554" y="5405579"/>
+            <a:ext cx="10495" cy="1091612"/>
+          </a:xfrm>
+          <a:prstGeom prst="straightConnector1">
+            <a:avLst/>
+          </a:prstGeom>
+          <a:ln>
+            <a:solidFill>
+              <a:schemeClr val="tx1"/>
+            </a:solidFill>
+            <a:tailEnd type="arrow"/>
+          </a:ln>
+        </p:spPr>
+        <p:style>
+          <a:lnRef idx="2">
+            <a:schemeClr val="accent1"/>
+          </a:lnRef>
+          <a:fillRef idx="0">
+            <a:schemeClr val="accent1"/>
+          </a:fillRef>
+          <a:effectRef idx="1">
+            <a:schemeClr val="accent1"/>
+          </a:effectRef>
+          <a:fontRef idx="minor">
+            <a:schemeClr val="tx1"/>
+          </a:fontRef>
+        </p:style>
+      </p:cxnSp>
+      <p:cxnSp>
+        <p:nvCxnSpPr>
+          <p:cNvPr id="8" name="Straight Arrow Connector 7"/>
+          <p:cNvCxnSpPr/>
+          <p:nvPr/>
+        </p:nvCxnSpPr>
+        <p:spPr>
+          <a:xfrm flipH="1" flipV="1">
+            <a:off x="3767800" y="6119325"/>
+            <a:ext cx="556249" cy="377866"/>
+          </a:xfrm>
+          <a:prstGeom prst="straightConnector1">
+            <a:avLst/>
+          </a:prstGeom>
+          <a:ln>
+            <a:solidFill>
+              <a:srgbClr val="000000"/>
+            </a:solidFill>
+            <a:tailEnd type="arrow"/>
+          </a:ln>
+        </p:spPr>
+        <p:style>
+          <a:lnRef idx="2">
+            <a:schemeClr val="accent1"/>
+          </a:lnRef>
+          <a:fillRef idx="0">
+            <a:schemeClr val="accent1"/>
+          </a:fillRef>
+          <a:effectRef idx="1">
+            <a:schemeClr val="accent1"/>
+          </a:effectRef>
+          <a:fontRef idx="minor">
+            <a:schemeClr val="tx1"/>
+          </a:fontRef>
+        </p:style>
+      </p:cxnSp>
+      <p:cxnSp>
+        <p:nvCxnSpPr>
+          <p:cNvPr id="10" name="Straight Arrow Connector 9"/>
+          <p:cNvCxnSpPr/>
+          <p:nvPr/>
+        </p:nvCxnSpPr>
+        <p:spPr>
+          <a:xfrm flipV="1">
+            <a:off x="4324049" y="6119325"/>
+            <a:ext cx="734669" cy="377866"/>
+          </a:xfrm>
+          <a:prstGeom prst="straightConnector1">
+            <a:avLst/>
+          </a:prstGeom>
+          <a:ln>
+            <a:tailEnd type="arrow"/>
+          </a:ln>
+        </p:spPr>
+        <p:style>
+          <a:lnRef idx="2">
+            <a:schemeClr val="dk1"/>
+          </a:lnRef>
+          <a:fillRef idx="0">
+            <a:schemeClr val="dk1"/>
+          </a:fillRef>
+          <a:effectRef idx="1">
+            <a:schemeClr val="dk1"/>
+          </a:effectRef>
+          <a:fontRef idx="minor">
+            <a:schemeClr val="tx1"/>
+          </a:fontRef>
+        </p:style>
+      </p:cxnSp>
+      <p:sp>
+        <p:nvSpPr>
+          <p:cNvPr id="11" name="TextBox 10"/>
+          <p:cNvSpPr txBox="1"/>
+          <p:nvPr/>
+        </p:nvSpPr>
+        <p:spPr>
+          <a:xfrm>
+            <a:off x="4964261" y="6127859"/>
+            <a:ext cx="409315" cy="369332"/>
+          </a:xfrm>
+          <a:prstGeom prst="rect">
+            <a:avLst/>
+          </a:prstGeom>
+          <a:noFill/>
+        </p:spPr>
+        <p:txBody>
+          <a:bodyPr wrap="square" rtlCol="0">
+            <a:spAutoFit/>
+          </a:bodyPr>
+          <a:lstStyle/>
+          <a:p>
+            <a:r>
+              <a:rPr lang="en-US" b="1" i="1" dirty="0" smtClean="0">
+                <a:latin typeface="Times New Roman"/>
+                <a:cs typeface="Times New Roman"/>
+              </a:rPr>
+              <a:t>X</a:t>
+            </a:r>
+            <a:endParaRPr lang="en-US" b="1" i="1" dirty="0">
+              <a:latin typeface="Times New Roman"/>
+              <a:cs typeface="Times New Roman"/>
+            </a:endParaRPr>
+          </a:p>
+        </p:txBody>
+      </p:sp>
+      <p:sp>
+        <p:nvSpPr>
+          <p:cNvPr id="12" name="TextBox 11"/>
+          <p:cNvSpPr txBox="1"/>
+          <p:nvPr/>
+        </p:nvSpPr>
+        <p:spPr>
+          <a:xfrm>
+            <a:off x="4413479" y="5220913"/>
+            <a:ext cx="409315" cy="369332"/>
+          </a:xfrm>
+          <a:prstGeom prst="rect">
+            <a:avLst/>
+          </a:prstGeom>
+          <a:noFill/>
+        </p:spPr>
+        <p:txBody>
+          <a:bodyPr wrap="square" rtlCol="0">
+            <a:spAutoFit/>
+          </a:bodyPr>
+          <a:lstStyle/>
+          <a:p>
+            <a:r>
+              <a:rPr lang="en-US" b="1" i="1" dirty="0" smtClean="0">
+                <a:latin typeface="Times New Roman"/>
+                <a:cs typeface="Times New Roman"/>
+              </a:rPr>
+              <a:t>Z</a:t>
+            </a:r>
+            <a:endParaRPr lang="en-US" b="1" i="1" dirty="0">
+              <a:latin typeface="Times New Roman"/>
+              <a:cs typeface="Times New Roman"/>
+            </a:endParaRPr>
+          </a:p>
+        </p:txBody>
+      </p:sp>
+      <p:sp>
+        <p:nvSpPr>
+          <p:cNvPr id="13" name="TextBox 12"/>
+          <p:cNvSpPr txBox="1"/>
+          <p:nvPr/>
+        </p:nvSpPr>
+        <p:spPr>
+          <a:xfrm>
+            <a:off x="3452942" y="5934659"/>
+            <a:ext cx="409315" cy="369332"/>
+          </a:xfrm>
+          <a:prstGeom prst="rect">
+            <a:avLst/>
+          </a:prstGeom>
+          <a:noFill/>
+        </p:spPr>
+        <p:txBody>
+          <a:bodyPr wrap="square" rtlCol="0">
+            <a:spAutoFit/>
+          </a:bodyPr>
+          <a:lstStyle/>
+          <a:p>
+            <a:r>
+              <a:rPr lang="en-US" b="1" i="1" dirty="0">
+                <a:latin typeface="Times New Roman"/>
+                <a:cs typeface="Times New Roman"/>
+              </a:rPr>
+              <a:t>Y</a:t>
+            </a:r>
+            <a:endParaRPr lang="en-US" b="1" i="1" dirty="0">
+              <a:latin typeface="Times New Roman"/>
+              <a:cs typeface="Times New Roman"/>
+            </a:endParaRPr>
+          </a:p>
+        </p:txBody>
+      </p:sp>
+    </p:spTree>
+    <p:extLst>
+      <p:ext uri="{BB962C8B-B14F-4D97-AF65-F5344CB8AC3E}">
+        <p14:creationId xmlns:p14="http://schemas.microsoft.com/office/powerpoint/2010/main" val="3092369864"/>
+      </p:ext>
+    </p:extLst>
+  </p:cSld>
+  <p:clrMapOvr>
+    <a:masterClrMapping/>
+  </p:clrMapOvr>
+</p:sld>
+</file>
+
+<file path=ppt/slides/slide6.xml><?xml version="1.0" encoding="utf-8"?>
+<p:sld xmlns:a="http://schemas.openxmlformats.org/drawingml/2006/main" xmlns:r="http://schemas.openxmlformats.org/officeDocument/2006/relationships" xmlns:p="http://schemas.openxmlformats.org/presentationml/2006/main">
+  <p:cSld>
+    <p:spTree>
+      <p:nvGrpSpPr>
+        <p:cNvPr id="1" name=""/>
+        <p:cNvGrpSpPr/>
+        <p:nvPr/>
+      </p:nvGrpSpPr>
+      <p:grpSpPr>
+        <a:xfrm>
+          <a:off x="0" y="0"/>
+          <a:ext cx="0" cy="0"/>
+          <a:chOff x="0" y="0"/>
+          <a:chExt cx="0" cy="0"/>
+        </a:xfrm>
+      </p:grpSpPr>
+      <p:grpSp>
+        <p:nvGrpSpPr>
+          <p:cNvPr id="36" name="Group 35"/>
+          <p:cNvGrpSpPr/>
+          <p:nvPr/>
+        </p:nvGrpSpPr>
+        <p:grpSpPr>
+          <a:xfrm>
+            <a:off x="2906713" y="1046737"/>
+            <a:ext cx="3788693" cy="5257254"/>
+            <a:chOff x="2906713" y="1046737"/>
+            <a:chExt cx="3788693" cy="5257254"/>
+          </a:xfrm>
+        </p:grpSpPr>
+        <p:grpSp>
+          <p:nvGrpSpPr>
+            <p:cNvPr id="32" name="Group 31"/>
+            <p:cNvGrpSpPr/>
+            <p:nvPr/>
+          </p:nvGrpSpPr>
+          <p:grpSpPr>
+            <a:xfrm>
+              <a:off x="2906713" y="1046737"/>
+              <a:ext cx="3788693" cy="5257254"/>
+              <a:chOff x="2906713" y="1046737"/>
+              <a:chExt cx="3788693" cy="5257254"/>
+            </a:xfrm>
+          </p:grpSpPr>
+          <p:pic>
+            <p:nvPicPr>
+              <p:cNvPr id="4" name="Picture 3" descr="056109_genericturbineC.png"/>
+              <p:cNvPicPr>
+                <a:picLocks noChangeAspect="1"/>
+              </p:cNvPicPr>
+              <p:nvPr/>
+            </p:nvPicPr>
+            <p:blipFill>
+              <a:blip r:embed="rId2">
+                <a:extLst>
+                  <a:ext uri="{28A0092B-C50C-407E-A947-70E740481C1C}">
+                    <a14:useLocalDpi xmlns:a14="http://schemas.microsoft.com/office/drawing/2010/main" val="0"/>
+                  </a:ext>
+                </a:extLst>
+              </a:blip>
+              <a:stretch>
+                <a:fillRect/>
+              </a:stretch>
+            </p:blipFill>
+            <p:spPr>
+              <a:xfrm>
+                <a:off x="3120228" y="1046737"/>
+                <a:ext cx="2771636" cy="4747203"/>
+              </a:xfrm>
+              <a:prstGeom prst="rect">
+                <a:avLst/>
+              </a:prstGeom>
+            </p:spPr>
+          </p:pic>
+          <p:cxnSp>
+            <p:nvCxnSpPr>
+              <p:cNvPr id="6" name="Straight Arrow Connector 5"/>
+              <p:cNvCxnSpPr>
+                <a:stCxn id="4" idx="2"/>
+              </p:cNvCxnSpPr>
+              <p:nvPr/>
+            </p:nvCxnSpPr>
+            <p:spPr>
+              <a:xfrm flipH="1" flipV="1">
+                <a:off x="4502469" y="4817788"/>
+                <a:ext cx="3577" cy="976152"/>
+              </a:xfrm>
+              <a:prstGeom prst="straightConnector1">
+                <a:avLst/>
+              </a:prstGeom>
+              <a:ln>
+                <a:tailEnd type="arrow"/>
+              </a:ln>
+            </p:spPr>
+            <p:style>
+              <a:lnRef idx="2">
+                <a:schemeClr val="dk1"/>
+              </a:lnRef>
+              <a:fillRef idx="0">
+                <a:schemeClr val="dk1"/>
+              </a:fillRef>
+              <a:effectRef idx="1">
+                <a:schemeClr val="dk1"/>
+              </a:effectRef>
+              <a:fontRef idx="minor">
+                <a:schemeClr val="tx1"/>
+              </a:fontRef>
+            </p:style>
+          </p:cxnSp>
+          <p:cxnSp>
+            <p:nvCxnSpPr>
+              <p:cNvPr id="8" name="Straight Arrow Connector 7"/>
+              <p:cNvCxnSpPr>
+                <a:stCxn id="4" idx="2"/>
+              </p:cNvCxnSpPr>
+              <p:nvPr/>
+            </p:nvCxnSpPr>
+            <p:spPr>
+              <a:xfrm flipH="1">
+                <a:off x="3694333" y="5793940"/>
+                <a:ext cx="811713" cy="0"/>
+              </a:xfrm>
+              <a:prstGeom prst="straightConnector1">
+                <a:avLst/>
+              </a:prstGeom>
+              <a:ln>
+                <a:tailEnd type="arrow"/>
+              </a:ln>
+            </p:spPr>
+            <p:style>
+              <a:lnRef idx="2">
+                <a:schemeClr val="dk1"/>
+              </a:lnRef>
+              <a:fillRef idx="0">
+                <a:schemeClr val="dk1"/>
+              </a:fillRef>
+              <a:effectRef idx="1">
+                <a:schemeClr val="dk1"/>
+              </a:effectRef>
+              <a:fontRef idx="minor">
+                <a:schemeClr val="tx1"/>
+              </a:fontRef>
+            </p:style>
+          </p:cxnSp>
+          <p:sp>
+            <p:nvSpPr>
+              <p:cNvPr id="9" name="TextBox 8"/>
+              <p:cNvSpPr txBox="1"/>
+              <p:nvPr/>
+            </p:nvSpPr>
+            <p:spPr>
+              <a:xfrm>
+                <a:off x="3452942" y="5934659"/>
+                <a:ext cx="409315" cy="369332"/>
+              </a:xfrm>
+              <a:prstGeom prst="rect">
+                <a:avLst/>
+              </a:prstGeom>
+              <a:noFill/>
+            </p:spPr>
+            <p:txBody>
+              <a:bodyPr wrap="square" rtlCol="0">
+                <a:spAutoFit/>
+              </a:bodyPr>
+              <a:lstStyle/>
+              <a:p>
+                <a:r>
+                  <a:rPr lang="en-US" b="1" i="1" dirty="0">
+                    <a:latin typeface="Times New Roman"/>
+                    <a:cs typeface="Times New Roman"/>
+                  </a:rPr>
+                  <a:t>Y</a:t>
+                </a:r>
+                <a:endParaRPr lang="en-US" b="1" i="1" dirty="0">
+                  <a:latin typeface="Times New Roman"/>
+                  <a:cs typeface="Times New Roman"/>
+                </a:endParaRPr>
+              </a:p>
+            </p:txBody>
+          </p:sp>
+          <p:sp>
+            <p:nvSpPr>
+              <p:cNvPr id="10" name="TextBox 9"/>
+              <p:cNvSpPr txBox="1"/>
+              <p:nvPr/>
+            </p:nvSpPr>
+            <p:spPr>
+              <a:xfrm>
+                <a:off x="4618136" y="4633122"/>
+                <a:ext cx="409315" cy="369332"/>
+              </a:xfrm>
+              <a:prstGeom prst="rect">
+                <a:avLst/>
+              </a:prstGeom>
+              <a:noFill/>
+            </p:spPr>
+            <p:txBody>
+              <a:bodyPr wrap="square" rtlCol="0">
+                <a:spAutoFit/>
+              </a:bodyPr>
+              <a:lstStyle/>
+              <a:p>
+                <a:r>
+                  <a:rPr lang="en-US" b="1" i="1" dirty="0" smtClean="0">
+                    <a:latin typeface="Times New Roman"/>
+                    <a:cs typeface="Times New Roman"/>
+                  </a:rPr>
+                  <a:t>Z</a:t>
+                </a:r>
+                <a:endParaRPr lang="en-US" b="1" i="1" dirty="0">
+                  <a:latin typeface="Times New Roman"/>
+                  <a:cs typeface="Times New Roman"/>
+                </a:endParaRPr>
+              </a:p>
+            </p:txBody>
+          </p:sp>
+          <p:grpSp>
+            <p:nvGrpSpPr>
+              <p:cNvPr id="26" name="Group 25"/>
+              <p:cNvGrpSpPr/>
+              <p:nvPr/>
+            </p:nvGrpSpPr>
+            <p:grpSpPr>
+              <a:xfrm>
+                <a:off x="4691603" y="1620188"/>
+                <a:ext cx="2003803" cy="2483585"/>
+                <a:chOff x="4691603" y="1620188"/>
+                <a:chExt cx="2003803" cy="2483585"/>
+              </a:xfrm>
+            </p:grpSpPr>
+            <p:cxnSp>
+              <p:nvCxnSpPr>
+                <p:cNvPr id="20" name="Straight Arrow Connector 19"/>
+                <p:cNvCxnSpPr/>
+                <p:nvPr/>
+              </p:nvCxnSpPr>
+              <p:spPr>
+                <a:xfrm flipV="1">
+                  <a:off x="4691603" y="2172728"/>
+                  <a:ext cx="314639" cy="535309"/>
+                </a:xfrm>
+                <a:prstGeom prst="straightConnector1">
+                  <a:avLst/>
+                </a:prstGeom>
+                <a:ln>
+                  <a:tailEnd type="arrow"/>
+                </a:ln>
+              </p:spPr>
+              <p:style>
+                <a:lnRef idx="2">
+                  <a:schemeClr val="dk1"/>
+                </a:lnRef>
+                <a:fillRef idx="0">
+                  <a:schemeClr val="dk1"/>
+                </a:fillRef>
+                <a:effectRef idx="1">
+                  <a:schemeClr val="dk1"/>
+                </a:effectRef>
+                <a:fontRef idx="minor">
+                  <a:schemeClr val="tx1"/>
+                </a:fontRef>
+              </p:style>
+            </p:cxnSp>
+            <p:cxnSp>
+              <p:nvCxnSpPr>
+                <p:cNvPr id="23" name="Straight Arrow Connector 22"/>
+                <p:cNvCxnSpPr/>
+                <p:nvPr/>
+              </p:nvCxnSpPr>
+              <p:spPr>
+                <a:xfrm>
+                  <a:off x="4691603" y="2708037"/>
+                  <a:ext cx="1385156" cy="818710"/>
+                </a:xfrm>
+                <a:prstGeom prst="straightConnector1">
+                  <a:avLst/>
+                </a:prstGeom>
+                <a:ln>
+                  <a:tailEnd type="arrow"/>
+                </a:ln>
+              </p:spPr>
+              <p:style>
+                <a:lnRef idx="2">
+                  <a:schemeClr val="dk1"/>
+                </a:lnRef>
+                <a:fillRef idx="0">
+                  <a:schemeClr val="dk1"/>
+                </a:fillRef>
+                <a:effectRef idx="1">
+                  <a:schemeClr val="dk1"/>
+                </a:effectRef>
+                <a:fontRef idx="minor">
+                  <a:schemeClr val="tx1"/>
+                </a:fontRef>
+              </p:style>
+            </p:cxnSp>
+            <p:sp>
+              <p:nvSpPr>
+                <p:cNvPr id="24" name="TextBox 23"/>
+                <p:cNvSpPr txBox="1"/>
+                <p:nvPr/>
+              </p:nvSpPr>
+              <p:spPr>
+                <a:xfrm rot="1849870">
+                  <a:off x="5783073" y="3734441"/>
+                  <a:ext cx="912333" cy="369332"/>
+                </a:xfrm>
+                <a:prstGeom prst="rect">
+                  <a:avLst/>
+                </a:prstGeom>
+                <a:noFill/>
+              </p:spPr>
+              <p:txBody>
+                <a:bodyPr wrap="square" rtlCol="0">
+                  <a:spAutoFit/>
+                </a:bodyPr>
+                <a:lstStyle/>
+                <a:p>
+                  <a:r>
+                    <a:rPr lang="en-US" b="1" i="1" dirty="0" smtClean="0">
+                      <a:latin typeface="Times New Roman"/>
+                      <a:cs typeface="Times New Roman"/>
+                    </a:rPr>
+                    <a:t>Z</a:t>
+                  </a:r>
+                  <a:r>
+                    <a:rPr lang="en-US" b="1" i="1" baseline="-25000" dirty="0" smtClean="0">
+                      <a:latin typeface="Times New Roman"/>
+                      <a:cs typeface="Times New Roman"/>
+                    </a:rPr>
+                    <a:t>r0 </a:t>
+                  </a:r>
+                  <a:r>
+                    <a:rPr lang="en-US" i="1" dirty="0" smtClean="0">
+                      <a:latin typeface="Times New Roman"/>
+                      <a:cs typeface="Times New Roman"/>
+                    </a:rPr>
+                    <a:t>(x</a:t>
+                  </a:r>
+                  <a:r>
+                    <a:rPr lang="en-US" i="1" baseline="-25000" dirty="0" smtClean="0">
+                      <a:latin typeface="Times New Roman"/>
+                      <a:cs typeface="Times New Roman"/>
+                    </a:rPr>
+                    <a:t>1</a:t>
+                  </a:r>
+                  <a:r>
+                    <a:rPr lang="en-US" i="1" dirty="0" smtClean="0">
+                      <a:latin typeface="Times New Roman"/>
+                      <a:cs typeface="Times New Roman"/>
+                    </a:rPr>
+                    <a:t>)</a:t>
+                  </a:r>
+                  <a:endParaRPr lang="en-US" b="1" i="1" baseline="-25000" dirty="0">
+                    <a:latin typeface="Times New Roman"/>
+                    <a:cs typeface="Times New Roman"/>
+                  </a:endParaRPr>
+                </a:p>
+              </p:txBody>
+            </p:sp>
+            <p:sp>
+              <p:nvSpPr>
+                <p:cNvPr id="25" name="TextBox 24"/>
+                <p:cNvSpPr txBox="1"/>
+                <p:nvPr/>
+              </p:nvSpPr>
+              <p:spPr>
+                <a:xfrm rot="18425864">
+                  <a:off x="4858754" y="1988062"/>
+                  <a:ext cx="1105080" cy="369332"/>
+                </a:xfrm>
+                <a:prstGeom prst="rect">
+                  <a:avLst/>
+                </a:prstGeom>
+                <a:noFill/>
+              </p:spPr>
+              <p:txBody>
+                <a:bodyPr wrap="square" rtlCol="0">
+                  <a:spAutoFit/>
+                </a:bodyPr>
+                <a:lstStyle/>
+                <a:p>
+                  <a:r>
+                    <a:rPr lang="en-US" b="1" i="1" dirty="0">
+                      <a:latin typeface="Times New Roman"/>
+                      <a:cs typeface="Times New Roman"/>
+                    </a:rPr>
+                    <a:t>Y</a:t>
+                  </a:r>
+                  <a:r>
+                    <a:rPr lang="en-US" b="1" i="1" baseline="-25000" dirty="0" smtClean="0">
+                      <a:latin typeface="Times New Roman"/>
+                      <a:cs typeface="Times New Roman"/>
+                    </a:rPr>
+                    <a:t>r0 </a:t>
+                  </a:r>
+                  <a:r>
+                    <a:rPr lang="en-US" i="1" dirty="0" smtClean="0">
+                      <a:latin typeface="Times New Roman"/>
+                      <a:cs typeface="Times New Roman"/>
+                    </a:rPr>
+                    <a:t>(x</a:t>
+                  </a:r>
+                  <a:r>
+                    <a:rPr lang="en-US" i="1" baseline="-25000" dirty="0" smtClean="0">
+                      <a:latin typeface="Times New Roman"/>
+                      <a:cs typeface="Times New Roman"/>
+                    </a:rPr>
+                    <a:t>3</a:t>
+                  </a:r>
+                  <a:r>
+                    <a:rPr lang="en-US" i="1" dirty="0" smtClean="0">
+                      <a:latin typeface="Times New Roman"/>
+                      <a:cs typeface="Times New Roman"/>
+                    </a:rPr>
+                    <a:t>)</a:t>
+                  </a:r>
+                  <a:endParaRPr lang="en-US" b="1" i="1" baseline="-25000" dirty="0">
+                    <a:latin typeface="Times New Roman"/>
+                    <a:cs typeface="Times New Roman"/>
+                  </a:endParaRPr>
+                </a:p>
+              </p:txBody>
+            </p:sp>
+          </p:grpSp>
+          <p:grpSp>
+            <p:nvGrpSpPr>
+              <p:cNvPr id="27" name="Group 26"/>
+              <p:cNvGrpSpPr/>
+              <p:nvPr/>
+            </p:nvGrpSpPr>
+            <p:grpSpPr>
+              <a:xfrm rot="10018090">
+                <a:off x="2906713" y="1554642"/>
+                <a:ext cx="1385156" cy="2757512"/>
+                <a:chOff x="4691603" y="1036209"/>
+                <a:chExt cx="1385156" cy="2757512"/>
+              </a:xfrm>
+            </p:grpSpPr>
+            <p:cxnSp>
+              <p:nvCxnSpPr>
+                <p:cNvPr id="28" name="Straight Arrow Connector 27"/>
+                <p:cNvCxnSpPr/>
+                <p:nvPr/>
+              </p:nvCxnSpPr>
+              <p:spPr>
+                <a:xfrm flipV="1">
+                  <a:off x="4691603" y="2172728"/>
+                  <a:ext cx="314639" cy="535309"/>
+                </a:xfrm>
+                <a:prstGeom prst="straightConnector1">
+                  <a:avLst/>
+                </a:prstGeom>
+                <a:ln>
+                  <a:tailEnd type="arrow"/>
+                </a:ln>
+              </p:spPr>
+              <p:style>
+                <a:lnRef idx="2">
+                  <a:schemeClr val="dk1"/>
+                </a:lnRef>
+                <a:fillRef idx="0">
+                  <a:schemeClr val="dk1"/>
+                </a:fillRef>
+                <a:effectRef idx="1">
+                  <a:schemeClr val="dk1"/>
+                </a:effectRef>
+                <a:fontRef idx="minor">
+                  <a:schemeClr val="tx1"/>
+                </a:fontRef>
+              </p:style>
+            </p:cxnSp>
+            <p:cxnSp>
+              <p:nvCxnSpPr>
+                <p:cNvPr id="29" name="Straight Arrow Connector 28"/>
+                <p:cNvCxnSpPr/>
+                <p:nvPr/>
+              </p:nvCxnSpPr>
+              <p:spPr>
+                <a:xfrm>
+                  <a:off x="4691603" y="2708037"/>
+                  <a:ext cx="1385156" cy="818710"/>
+                </a:xfrm>
+                <a:prstGeom prst="straightConnector1">
+                  <a:avLst/>
+                </a:prstGeom>
+                <a:ln>
+                  <a:tailEnd type="arrow"/>
+                </a:ln>
+              </p:spPr>
+              <p:style>
+                <a:lnRef idx="2">
+                  <a:schemeClr val="dk1"/>
+                </a:lnRef>
+                <a:fillRef idx="0">
+                  <a:schemeClr val="dk1"/>
+                </a:fillRef>
+                <a:effectRef idx="1">
+                  <a:schemeClr val="dk1"/>
+                </a:effectRef>
+                <a:fontRef idx="minor">
+                  <a:schemeClr val="tx1"/>
+                </a:fontRef>
+              </p:style>
+            </p:cxnSp>
+            <p:sp>
+              <p:nvSpPr>
+                <p:cNvPr id="30" name="TextBox 29"/>
+                <p:cNvSpPr txBox="1"/>
+                <p:nvPr/>
+              </p:nvSpPr>
+              <p:spPr>
+                <a:xfrm rot="12566338">
+                  <a:off x="5160465" y="3424389"/>
+                  <a:ext cx="899297" cy="369332"/>
+                </a:xfrm>
+                <a:prstGeom prst="rect">
+                  <a:avLst/>
+                </a:prstGeom>
+                <a:noFill/>
+              </p:spPr>
+              <p:txBody>
+                <a:bodyPr wrap="square" rtlCol="0">
+                  <a:spAutoFit/>
+                </a:bodyPr>
+                <a:lstStyle/>
+                <a:p>
+                  <a:r>
+                    <a:rPr lang="en-US" b="1" i="1" dirty="0" err="1" smtClean="0">
+                      <a:latin typeface="Times New Roman"/>
+                      <a:cs typeface="Times New Roman"/>
+                    </a:rPr>
+                    <a:t>Z</a:t>
+                  </a:r>
+                  <a:r>
+                    <a:rPr lang="en-US" b="1" i="1" baseline="-25000" dirty="0" err="1" smtClean="0">
+                      <a:latin typeface="Times New Roman"/>
+                      <a:cs typeface="Times New Roman"/>
+                    </a:rPr>
+                    <a:t>r</a:t>
+                  </a:r>
+                  <a:r>
+                    <a:rPr lang="en-US" b="1" i="1" baseline="-25000" dirty="0">
+                      <a:latin typeface="Times New Roman"/>
+                      <a:cs typeface="Times New Roman"/>
+                    </a:rPr>
+                    <a:t> </a:t>
+                  </a:r>
+                  <a:r>
+                    <a:rPr lang="en-US" b="1" i="1" dirty="0" smtClean="0">
+                      <a:latin typeface="Times New Roman"/>
+                      <a:cs typeface="Times New Roman"/>
+                    </a:rPr>
+                    <a:t>at t</a:t>
+                  </a:r>
+                  <a:endParaRPr lang="en-US" b="1" i="1" baseline="-25000" dirty="0">
+                    <a:latin typeface="Times New Roman"/>
+                    <a:cs typeface="Times New Roman"/>
+                  </a:endParaRPr>
+                </a:p>
+              </p:txBody>
+            </p:sp>
+            <p:sp>
+              <p:nvSpPr>
+                <p:cNvPr id="31" name="TextBox 30"/>
+                <p:cNvSpPr txBox="1"/>
+                <p:nvPr/>
+              </p:nvSpPr>
+              <p:spPr>
+                <a:xfrm rot="17986971">
+                  <a:off x="4513037" y="1404083"/>
+                  <a:ext cx="1105080" cy="369332"/>
+                </a:xfrm>
+                <a:prstGeom prst="rect">
+                  <a:avLst/>
+                </a:prstGeom>
+                <a:noFill/>
+              </p:spPr>
+              <p:txBody>
+                <a:bodyPr wrap="square" rtlCol="0">
+                  <a:spAutoFit/>
+                </a:bodyPr>
+                <a:lstStyle/>
+                <a:p>
+                  <a:r>
+                    <a:rPr lang="en-US" b="1" i="1" dirty="0" err="1" smtClean="0">
+                      <a:latin typeface="Times New Roman"/>
+                      <a:cs typeface="Times New Roman"/>
+                    </a:rPr>
+                    <a:t>Y</a:t>
+                  </a:r>
+                  <a:r>
+                    <a:rPr lang="en-US" b="1" i="1" baseline="-25000" dirty="0" err="1" smtClean="0">
+                      <a:latin typeface="Times New Roman"/>
+                      <a:cs typeface="Times New Roman"/>
+                    </a:rPr>
+                    <a:t>r</a:t>
+                  </a:r>
+                  <a:r>
+                    <a:rPr lang="en-US" b="1" i="1" baseline="-25000" dirty="0">
+                      <a:latin typeface="Times New Roman"/>
+                      <a:cs typeface="Times New Roman"/>
+                    </a:rPr>
+                    <a:t> </a:t>
+                  </a:r>
+                  <a:r>
+                    <a:rPr lang="en-US" b="1" i="1" dirty="0" smtClean="0">
+                      <a:latin typeface="Times New Roman"/>
+                      <a:cs typeface="Times New Roman"/>
+                    </a:rPr>
+                    <a:t>at t</a:t>
+                  </a:r>
+                  <a:endParaRPr lang="en-US" b="1" i="1" baseline="-25000" dirty="0">
+                    <a:latin typeface="Times New Roman"/>
+                    <a:cs typeface="Times New Roman"/>
+                  </a:endParaRPr>
+                </a:p>
+              </p:txBody>
+            </p:sp>
+          </p:grpSp>
+        </p:grpSp>
+        <p:sp>
+          <p:nvSpPr>
+            <p:cNvPr id="33" name="Oval 32"/>
+            <p:cNvSpPr/>
+            <p:nvPr/>
+          </p:nvSpPr>
+          <p:spPr>
+            <a:xfrm>
+              <a:off x="4444220" y="5793940"/>
+              <a:ext cx="494766" cy="451339"/>
+            </a:xfrm>
+            <a:prstGeom prst="ellipse">
+              <a:avLst/>
+            </a:prstGeom>
+          </p:spPr>
+          <p:style>
+            <a:lnRef idx="1">
+              <a:schemeClr val="accent1"/>
+            </a:lnRef>
+            <a:fillRef idx="3">
+              <a:schemeClr val="accent1"/>
+            </a:fillRef>
+            <a:effectRef idx="2">
+              <a:schemeClr val="accent1"/>
+            </a:effectRef>
+            <a:fontRef idx="minor">
+              <a:schemeClr val="lt1"/>
+            </a:fontRef>
+          </p:style>
+          <p:txBody>
+            <a:bodyPr rtlCol="0" anchor="ctr"/>
+            <a:lstStyle/>
+            <a:p>
+              <a:pPr algn="ctr"/>
+              <a:r>
+                <a:rPr lang="en-US" dirty="0" smtClean="0"/>
+                <a:t>1</a:t>
+              </a:r>
+              <a:endParaRPr lang="en-US" dirty="0"/>
+            </a:p>
+          </p:txBody>
+        </p:sp>
+        <p:sp>
+          <p:nvSpPr>
+            <p:cNvPr id="34" name="Oval 33"/>
+            <p:cNvSpPr/>
+            <p:nvPr/>
+          </p:nvSpPr>
+          <p:spPr>
+            <a:xfrm>
+              <a:off x="5509531" y="2609089"/>
+              <a:ext cx="494766" cy="451339"/>
+            </a:xfrm>
+            <a:prstGeom prst="ellipse">
+              <a:avLst/>
+            </a:prstGeom>
+          </p:spPr>
+          <p:style>
+            <a:lnRef idx="1">
+              <a:schemeClr val="accent1"/>
+            </a:lnRef>
+            <a:fillRef idx="3">
+              <a:schemeClr val="accent1"/>
+            </a:fillRef>
+            <a:effectRef idx="2">
+              <a:schemeClr val="accent1"/>
+            </a:effectRef>
+            <a:fontRef idx="minor">
+              <a:schemeClr val="lt1"/>
+            </a:fontRef>
+          </p:style>
+          <p:txBody>
+            <a:bodyPr rtlCol="0" anchor="ctr"/>
+            <a:lstStyle/>
+            <a:p>
+              <a:pPr algn="ctr"/>
+              <a:r>
+                <a:rPr lang="en-US" dirty="0"/>
+                <a:t>2</a:t>
+              </a:r>
+              <a:endParaRPr lang="en-US" dirty="0"/>
+            </a:p>
+          </p:txBody>
+        </p:sp>
+        <p:sp>
+          <p:nvSpPr>
+            <p:cNvPr id="35" name="Oval 34"/>
+            <p:cNvSpPr/>
+            <p:nvPr/>
+          </p:nvSpPr>
+          <p:spPr>
+            <a:xfrm>
+              <a:off x="2958176" y="2383420"/>
+              <a:ext cx="494766" cy="451339"/>
+            </a:xfrm>
+            <a:prstGeom prst="ellipse">
+              <a:avLst/>
+            </a:prstGeom>
+          </p:spPr>
+          <p:style>
+            <a:lnRef idx="1">
+              <a:schemeClr val="accent1"/>
+            </a:lnRef>
+            <a:fillRef idx="3">
+              <a:schemeClr val="accent1"/>
+            </a:fillRef>
+            <a:effectRef idx="2">
+              <a:schemeClr val="accent1"/>
+            </a:effectRef>
+            <a:fontRef idx="minor">
+              <a:schemeClr val="lt1"/>
+            </a:fontRef>
+          </p:style>
+          <p:txBody>
+            <a:bodyPr rtlCol="0" anchor="ctr"/>
+            <a:lstStyle/>
+            <a:p>
+              <a:pPr algn="ctr"/>
+              <a:r>
+                <a:rPr lang="en-US" dirty="0" smtClean="0"/>
+                <a:t>3</a:t>
+              </a:r>
+              <a:endParaRPr lang="en-US" dirty="0"/>
+            </a:p>
+          </p:txBody>
+        </p:sp>
+      </p:grpSp>
+    </p:spTree>
+    <p:extLst>
+      <p:ext uri="{BB962C8B-B14F-4D97-AF65-F5344CB8AC3E}">
+        <p14:creationId xmlns:p14="http://schemas.microsoft.com/office/powerpoint/2010/main" val="100655455"/>
+      </p:ext>
+    </p:extLst>
+  </p:cSld>
+  <p:clrMapOvr>
+    <a:masterClrMapping/>
+  </p:clrMapOvr>
+</p:sld>
+</file>
+
 <file path=ppt/theme/theme1.xml><?xml version="1.0" encoding="utf-8"?>
 <a:theme xmlns:a="http://schemas.openxmlformats.org/drawingml/2006/main" name="Office Theme">
   <a:themeElements>

--- a/docs/Manual/Figure/ManualPlot.pptx
+++ b/docs/Manual/Figure/ManualPlot.pptx
@@ -293,7 +293,7 @@
           <a:p>
             <a:fld id="{95118352-742C-7B43-8F22-628C53C0DDC2}" type="datetimeFigureOut">
               <a:rPr lang="en-US" smtClean="0"/>
-              <a:t>10/12/15</a:t>
+              <a:t>11/14/15</a:t>
             </a:fld>
             <a:endParaRPr lang="en-US"/>
           </a:p>
@@ -463,7 +463,7 @@
           <a:p>
             <a:fld id="{95118352-742C-7B43-8F22-628C53C0DDC2}" type="datetimeFigureOut">
               <a:rPr lang="en-US" smtClean="0"/>
-              <a:t>10/12/15</a:t>
+              <a:t>11/14/15</a:t>
             </a:fld>
             <a:endParaRPr lang="en-US"/>
           </a:p>
@@ -643,7 +643,7 @@
           <a:p>
             <a:fld id="{95118352-742C-7B43-8F22-628C53C0DDC2}" type="datetimeFigureOut">
               <a:rPr lang="en-US" smtClean="0"/>
-              <a:t>10/12/15</a:t>
+              <a:t>11/14/15</a:t>
             </a:fld>
             <a:endParaRPr lang="en-US"/>
           </a:p>
@@ -813,7 +813,7 @@
           <a:p>
             <a:fld id="{95118352-742C-7B43-8F22-628C53C0DDC2}" type="datetimeFigureOut">
               <a:rPr lang="en-US" smtClean="0"/>
-              <a:t>10/12/15</a:t>
+              <a:t>11/14/15</a:t>
             </a:fld>
             <a:endParaRPr lang="en-US"/>
           </a:p>
@@ -1059,7 +1059,7 @@
           <a:p>
             <a:fld id="{95118352-742C-7B43-8F22-628C53C0DDC2}" type="datetimeFigureOut">
               <a:rPr lang="en-US" smtClean="0"/>
-              <a:t>10/12/15</a:t>
+              <a:t>11/14/15</a:t>
             </a:fld>
             <a:endParaRPr lang="en-US"/>
           </a:p>
@@ -1347,7 +1347,7 @@
           <a:p>
             <a:fld id="{95118352-742C-7B43-8F22-628C53C0DDC2}" type="datetimeFigureOut">
               <a:rPr lang="en-US" smtClean="0"/>
-              <a:t>10/12/15</a:t>
+              <a:t>11/14/15</a:t>
             </a:fld>
             <a:endParaRPr lang="en-US"/>
           </a:p>
@@ -1769,7 +1769,7 @@
           <a:p>
             <a:fld id="{95118352-742C-7B43-8F22-628C53C0DDC2}" type="datetimeFigureOut">
               <a:rPr lang="en-US" smtClean="0"/>
-              <a:t>10/12/15</a:t>
+              <a:t>11/14/15</a:t>
             </a:fld>
             <a:endParaRPr lang="en-US"/>
           </a:p>
@@ -1887,7 +1887,7 @@
           <a:p>
             <a:fld id="{95118352-742C-7B43-8F22-628C53C0DDC2}" type="datetimeFigureOut">
               <a:rPr lang="en-US" smtClean="0"/>
-              <a:t>10/12/15</a:t>
+              <a:t>11/14/15</a:t>
             </a:fld>
             <a:endParaRPr lang="en-US"/>
           </a:p>
@@ -1982,7 +1982,7 @@
           <a:p>
             <a:fld id="{95118352-742C-7B43-8F22-628C53C0DDC2}" type="datetimeFigureOut">
               <a:rPr lang="en-US" smtClean="0"/>
-              <a:t>10/12/15</a:t>
+              <a:t>11/14/15</a:t>
             </a:fld>
             <a:endParaRPr lang="en-US"/>
           </a:p>
@@ -2259,7 +2259,7 @@
           <a:p>
             <a:fld id="{95118352-742C-7B43-8F22-628C53C0DDC2}" type="datetimeFigureOut">
               <a:rPr lang="en-US" smtClean="0"/>
-              <a:t>10/12/15</a:t>
+              <a:t>11/14/15</a:t>
             </a:fld>
             <a:endParaRPr lang="en-US"/>
           </a:p>
@@ -2512,7 +2512,7 @@
           <a:p>
             <a:fld id="{95118352-742C-7B43-8F22-628C53C0DDC2}" type="datetimeFigureOut">
               <a:rPr lang="en-US" smtClean="0"/>
-              <a:t>10/12/15</a:t>
+              <a:t>11/14/15</a:t>
             </a:fld>
             <a:endParaRPr lang="en-US"/>
           </a:p>
@@ -2725,7 +2725,7 @@
           <a:p>
             <a:fld id="{95118352-742C-7B43-8F22-628C53C0DDC2}" type="datetimeFigureOut">
               <a:rPr lang="en-US" smtClean="0"/>
-              <a:t>10/12/15</a:t>
+              <a:t>11/14/15</a:t>
             </a:fld>
             <a:endParaRPr lang="en-US"/>
           </a:p>
@@ -4155,6 +4155,14 @@
               <a:r>
                 <a:rPr lang="en-US" dirty="0" err="1" smtClean="0"/>
                 <a:t>ElastoDyn</a:t>
+              </a:r>
+              <a:endParaRPr lang="en-US" dirty="0" smtClean="0"/>
+            </a:p>
+            <a:p>
+              <a:pPr algn="ctr"/>
+              <a:r>
+                <a:rPr lang="en-US" dirty="0" err="1" smtClean="0"/>
+                <a:t>ServoDyn</a:t>
               </a:r>
               <a:endParaRPr lang="en-US" dirty="0" smtClean="0"/>
             </a:p>
@@ -6513,10 +6521,6 @@
               </a:rPr>
               <a:t>Y</a:t>
             </a:r>
-            <a:endParaRPr lang="en-US" b="1" i="1" dirty="0">
-              <a:latin typeface="Times New Roman"/>
-              <a:cs typeface="Times New Roman"/>
-            </a:endParaRPr>
           </a:p>
         </p:txBody>
       </p:sp>
@@ -6558,10 +6562,10 @@
         </p:nvGrpSpPr>
         <p:grpSpPr>
           <a:xfrm>
-            <a:off x="2906713" y="1046737"/>
-            <a:ext cx="3788693" cy="5257254"/>
-            <a:chOff x="2906713" y="1046737"/>
-            <a:chExt cx="3788693" cy="5257254"/>
+            <a:off x="3120228" y="1046737"/>
+            <a:ext cx="3575178" cy="5257254"/>
+            <a:chOff x="3120228" y="1046737"/>
+            <a:chExt cx="3575178" cy="5257254"/>
           </a:xfrm>
         </p:grpSpPr>
         <p:grpSp>
@@ -6572,10 +6576,10 @@
           </p:nvGrpSpPr>
           <p:grpSpPr>
             <a:xfrm>
-              <a:off x="2906713" y="1046737"/>
-              <a:ext cx="3788693" cy="5257254"/>
-              <a:chOff x="2906713" y="1046737"/>
-              <a:chExt cx="3788693" cy="5257254"/>
+              <a:off x="3120228" y="1046737"/>
+              <a:ext cx="3575178" cy="5257254"/>
+              <a:chOff x="3120228" y="1046737"/>
+              <a:chExt cx="3575178" cy="5257254"/>
             </a:xfrm>
           </p:grpSpPr>
           <p:pic>
@@ -6707,10 +6711,6 @@
                   </a:rPr>
                   <a:t>Y</a:t>
                 </a:r>
-                <a:endParaRPr lang="en-US" b="1" i="1" dirty="0">
-                  <a:latin typeface="Times New Roman"/>
-                  <a:cs typeface="Times New Roman"/>
-                </a:endParaRPr>
               </a:p>
             </p:txBody>
           </p:sp>
@@ -6959,201 +6959,6 @@
               </p:txBody>
             </p:sp>
           </p:grpSp>
-          <p:grpSp>
-            <p:nvGrpSpPr>
-              <p:cNvPr id="27" name="Group 26"/>
-              <p:cNvGrpSpPr/>
-              <p:nvPr/>
-            </p:nvGrpSpPr>
-            <p:grpSpPr>
-              <a:xfrm rot="10018090">
-                <a:off x="2906713" y="1554642"/>
-                <a:ext cx="1385156" cy="2757512"/>
-                <a:chOff x="4691603" y="1036209"/>
-                <a:chExt cx="1385156" cy="2757512"/>
-              </a:xfrm>
-            </p:grpSpPr>
-            <p:cxnSp>
-              <p:nvCxnSpPr>
-                <p:cNvPr id="28" name="Straight Arrow Connector 27"/>
-                <p:cNvCxnSpPr/>
-                <p:nvPr/>
-              </p:nvCxnSpPr>
-              <p:spPr>
-                <a:xfrm flipV="1">
-                  <a:off x="4691603" y="2172728"/>
-                  <a:ext cx="314639" cy="535309"/>
-                </a:xfrm>
-                <a:prstGeom prst="straightConnector1">
-                  <a:avLst/>
-                </a:prstGeom>
-                <a:ln>
-                  <a:tailEnd type="arrow"/>
-                </a:ln>
-              </p:spPr>
-              <p:style>
-                <a:lnRef idx="2">
-                  <a:schemeClr val="dk1"/>
-                </a:lnRef>
-                <a:fillRef idx="0">
-                  <a:schemeClr val="dk1"/>
-                </a:fillRef>
-                <a:effectRef idx="1">
-                  <a:schemeClr val="dk1"/>
-                </a:effectRef>
-                <a:fontRef idx="minor">
-                  <a:schemeClr val="tx1"/>
-                </a:fontRef>
-              </p:style>
-            </p:cxnSp>
-            <p:cxnSp>
-              <p:nvCxnSpPr>
-                <p:cNvPr id="29" name="Straight Arrow Connector 28"/>
-                <p:cNvCxnSpPr/>
-                <p:nvPr/>
-              </p:nvCxnSpPr>
-              <p:spPr>
-                <a:xfrm>
-                  <a:off x="4691603" y="2708037"/>
-                  <a:ext cx="1385156" cy="818710"/>
-                </a:xfrm>
-                <a:prstGeom prst="straightConnector1">
-                  <a:avLst/>
-                </a:prstGeom>
-                <a:ln>
-                  <a:tailEnd type="arrow"/>
-                </a:ln>
-              </p:spPr>
-              <p:style>
-                <a:lnRef idx="2">
-                  <a:schemeClr val="dk1"/>
-                </a:lnRef>
-                <a:fillRef idx="0">
-                  <a:schemeClr val="dk1"/>
-                </a:fillRef>
-                <a:effectRef idx="1">
-                  <a:schemeClr val="dk1"/>
-                </a:effectRef>
-                <a:fontRef idx="minor">
-                  <a:schemeClr val="tx1"/>
-                </a:fontRef>
-              </p:style>
-            </p:cxnSp>
-            <p:sp>
-              <p:nvSpPr>
-                <p:cNvPr id="30" name="TextBox 29"/>
-                <p:cNvSpPr txBox="1"/>
-                <p:nvPr/>
-              </p:nvSpPr>
-              <p:spPr>
-                <a:xfrm rot="12566338">
-                  <a:off x="5160465" y="3424389"/>
-                  <a:ext cx="899297" cy="369332"/>
-                </a:xfrm>
-                <a:prstGeom prst="rect">
-                  <a:avLst/>
-                </a:prstGeom>
-                <a:noFill/>
-              </p:spPr>
-              <p:txBody>
-                <a:bodyPr wrap="square" rtlCol="0">
-                  <a:spAutoFit/>
-                </a:bodyPr>
-                <a:lstStyle/>
-                <a:p>
-                  <a:r>
-                    <a:rPr lang="en-US" b="1" i="1" dirty="0" err="1" smtClean="0">
-                      <a:latin typeface="Times New Roman"/>
-                      <a:cs typeface="Times New Roman"/>
-                    </a:rPr>
-                    <a:t>Z</a:t>
-                  </a:r>
-                  <a:r>
-                    <a:rPr lang="en-US" b="1" i="1" baseline="-25000" dirty="0" err="1" smtClean="0">
-                      <a:latin typeface="Times New Roman"/>
-                      <a:cs typeface="Times New Roman"/>
-                    </a:rPr>
-                    <a:t>r</a:t>
-                  </a:r>
-                  <a:r>
-                    <a:rPr lang="en-US" b="1" i="1" baseline="-25000" dirty="0">
-                      <a:latin typeface="Times New Roman"/>
-                      <a:cs typeface="Times New Roman"/>
-                    </a:rPr>
-                    <a:t> </a:t>
-                  </a:r>
-                  <a:r>
-                    <a:rPr lang="en-US" b="1" i="1" dirty="0" smtClean="0">
-                      <a:latin typeface="Times New Roman"/>
-                      <a:cs typeface="Times New Roman"/>
-                    </a:rPr>
-                    <a:t>at t</a:t>
-                  </a:r>
-                  <a:endParaRPr lang="en-US" b="1" i="1" baseline="-25000" dirty="0">
-                    <a:latin typeface="Times New Roman"/>
-                    <a:cs typeface="Times New Roman"/>
-                  </a:endParaRPr>
-                </a:p>
-              </p:txBody>
-            </p:sp>
-            <p:sp>
-              <p:nvSpPr>
-                <p:cNvPr id="31" name="TextBox 30"/>
-                <p:cNvSpPr txBox="1"/>
-                <p:nvPr/>
-              </p:nvSpPr>
-              <p:spPr>
-                <a:xfrm rot="17986971">
-                  <a:off x="4513037" y="1404083"/>
-                  <a:ext cx="1105080" cy="369332"/>
-                </a:xfrm>
-                <a:prstGeom prst="rect">
-                  <a:avLst/>
-                </a:prstGeom>
-                <a:noFill/>
-              </p:spPr>
-              <p:txBody>
-                <a:bodyPr wrap="square" rtlCol="0">
-                  <a:spAutoFit/>
-                </a:bodyPr>
-                <a:lstStyle/>
-                <a:p>
-                  <a:r>
-                    <a:rPr lang="en-US" b="1" i="1" dirty="0" err="1" smtClean="0">
-                      <a:latin typeface="Times New Roman"/>
-                      <a:cs typeface="Times New Roman"/>
-                    </a:rPr>
-                    <a:t>Y</a:t>
-                  </a:r>
-                  <a:r>
-                    <a:rPr lang="en-US" b="1" i="1" baseline="-25000" dirty="0" err="1" smtClean="0">
-                      <a:latin typeface="Times New Roman"/>
-                      <a:cs typeface="Times New Roman"/>
-                    </a:rPr>
-                    <a:t>r</a:t>
-                  </a:r>
-                  <a:r>
-                    <a:rPr lang="en-US" b="1" i="1" baseline="-25000" dirty="0">
-                      <a:latin typeface="Times New Roman"/>
-                      <a:cs typeface="Times New Roman"/>
-                    </a:rPr>
-                    <a:t> </a:t>
-                  </a:r>
-                  <a:r>
-                    <a:rPr lang="en-US" b="1" i="1" dirty="0" smtClean="0">
-                      <a:latin typeface="Times New Roman"/>
-                      <a:cs typeface="Times New Roman"/>
-                    </a:rPr>
-                    <a:t>at t</a:t>
-                  </a:r>
-                  <a:endParaRPr lang="en-US" b="1" i="1" baseline="-25000" dirty="0">
-                    <a:latin typeface="Times New Roman"/>
-                    <a:cs typeface="Times New Roman"/>
-                  </a:endParaRPr>
-                </a:p>
-              </p:txBody>
-            </p:sp>
-          </p:grpSp>
         </p:grpSp>
         <p:sp>
           <p:nvSpPr>
@@ -7235,49 +7040,6 @@
                 <a:rPr lang="en-US" dirty="0"/>
                 <a:t>2</a:t>
               </a:r>
-              <a:endParaRPr lang="en-US" dirty="0"/>
-            </a:p>
-          </p:txBody>
-        </p:sp>
-        <p:sp>
-          <p:nvSpPr>
-            <p:cNvPr id="35" name="Oval 34"/>
-            <p:cNvSpPr/>
-            <p:nvPr/>
-          </p:nvSpPr>
-          <p:spPr>
-            <a:xfrm>
-              <a:off x="2958176" y="2383420"/>
-              <a:ext cx="494766" cy="451339"/>
-            </a:xfrm>
-            <a:prstGeom prst="ellipse">
-              <a:avLst/>
-            </a:prstGeom>
-          </p:spPr>
-          <p:style>
-            <a:lnRef idx="1">
-              <a:schemeClr val="accent1"/>
-            </a:lnRef>
-            <a:fillRef idx="3">
-              <a:schemeClr val="accent1"/>
-            </a:fillRef>
-            <a:effectRef idx="2">
-              <a:schemeClr val="accent1"/>
-            </a:effectRef>
-            <a:fontRef idx="minor">
-              <a:schemeClr val="lt1"/>
-            </a:fontRef>
-          </p:style>
-          <p:txBody>
-            <a:bodyPr rtlCol="0" anchor="ctr"/>
-            <a:lstStyle/>
-            <a:p>
-              <a:pPr algn="ctr"/>
-              <a:r>
-                <a:rPr lang="en-US" dirty="0" smtClean="0"/>
-                <a:t>3</a:t>
-              </a:r>
-              <a:endParaRPr lang="en-US" dirty="0"/>
             </a:p>
           </p:txBody>
         </p:sp>
